--- a/binom/nar_paper_2015/figures/nav_web_service.pptx
+++ b/binom/nar_paper_2015/figures/nav_web_service.pptx
@@ -288,7 +288,7 @@
           <a:p>
             <a:fld id="{7B8A23D7-2D9A-F24C-A6E5-B4D2996E9A03}" type="datetimeFigureOut">
               <a:rPr lang="en-US" smtClean="0"/>
-              <a:t>19/01/15</a:t>
+              <a:t>20/01/15</a:t>
             </a:fld>
             <a:endParaRPr lang="en-US"/>
           </a:p>
@@ -458,7 +458,7 @@
           <a:p>
             <a:fld id="{7B8A23D7-2D9A-F24C-A6E5-B4D2996E9A03}" type="datetimeFigureOut">
               <a:rPr lang="en-US" smtClean="0"/>
-              <a:t>19/01/15</a:t>
+              <a:t>20/01/15</a:t>
             </a:fld>
             <a:endParaRPr lang="en-US"/>
           </a:p>
@@ -638,7 +638,7 @@
           <a:p>
             <a:fld id="{7B8A23D7-2D9A-F24C-A6E5-B4D2996E9A03}" type="datetimeFigureOut">
               <a:rPr lang="en-US" smtClean="0"/>
-              <a:t>19/01/15</a:t>
+              <a:t>20/01/15</a:t>
             </a:fld>
             <a:endParaRPr lang="en-US"/>
           </a:p>
@@ -808,7 +808,7 @@
           <a:p>
             <a:fld id="{7B8A23D7-2D9A-F24C-A6E5-B4D2996E9A03}" type="datetimeFigureOut">
               <a:rPr lang="en-US" smtClean="0"/>
-              <a:t>19/01/15</a:t>
+              <a:t>20/01/15</a:t>
             </a:fld>
             <a:endParaRPr lang="en-US"/>
           </a:p>
@@ -1054,7 +1054,7 @@
           <a:p>
             <a:fld id="{7B8A23D7-2D9A-F24C-A6E5-B4D2996E9A03}" type="datetimeFigureOut">
               <a:rPr lang="en-US" smtClean="0"/>
-              <a:t>19/01/15</a:t>
+              <a:t>20/01/15</a:t>
             </a:fld>
             <a:endParaRPr lang="en-US"/>
           </a:p>
@@ -1342,7 +1342,7 @@
           <a:p>
             <a:fld id="{7B8A23D7-2D9A-F24C-A6E5-B4D2996E9A03}" type="datetimeFigureOut">
               <a:rPr lang="en-US" smtClean="0"/>
-              <a:t>19/01/15</a:t>
+              <a:t>20/01/15</a:t>
             </a:fld>
             <a:endParaRPr lang="en-US"/>
           </a:p>
@@ -1764,7 +1764,7 @@
           <a:p>
             <a:fld id="{7B8A23D7-2D9A-F24C-A6E5-B4D2996E9A03}" type="datetimeFigureOut">
               <a:rPr lang="en-US" smtClean="0"/>
-              <a:t>19/01/15</a:t>
+              <a:t>20/01/15</a:t>
             </a:fld>
             <a:endParaRPr lang="en-US"/>
           </a:p>
@@ -1882,7 +1882,7 @@
           <a:p>
             <a:fld id="{7B8A23D7-2D9A-F24C-A6E5-B4D2996E9A03}" type="datetimeFigureOut">
               <a:rPr lang="en-US" smtClean="0"/>
-              <a:t>19/01/15</a:t>
+              <a:t>20/01/15</a:t>
             </a:fld>
             <a:endParaRPr lang="en-US"/>
           </a:p>
@@ -1977,7 +1977,7 @@
           <a:p>
             <a:fld id="{7B8A23D7-2D9A-F24C-A6E5-B4D2996E9A03}" type="datetimeFigureOut">
               <a:rPr lang="en-US" smtClean="0"/>
-              <a:t>19/01/15</a:t>
+              <a:t>20/01/15</a:t>
             </a:fld>
             <a:endParaRPr lang="en-US"/>
           </a:p>
@@ -2254,7 +2254,7 @@
           <a:p>
             <a:fld id="{7B8A23D7-2D9A-F24C-A6E5-B4D2996E9A03}" type="datetimeFigureOut">
               <a:rPr lang="en-US" smtClean="0"/>
-              <a:t>19/01/15</a:t>
+              <a:t>20/01/15</a:t>
             </a:fld>
             <a:endParaRPr lang="en-US"/>
           </a:p>
@@ -2507,7 +2507,7 @@
           <a:p>
             <a:fld id="{7B8A23D7-2D9A-F24C-A6E5-B4D2996E9A03}" type="datetimeFigureOut">
               <a:rPr lang="en-US" smtClean="0"/>
-              <a:t>19/01/15</a:t>
+              <a:t>20/01/15</a:t>
             </a:fld>
             <a:endParaRPr lang="en-US"/>
           </a:p>
@@ -2720,7 +2720,7 @@
           <a:p>
             <a:fld id="{7B8A23D7-2D9A-F24C-A6E5-B4D2996E9A03}" type="datetimeFigureOut">
               <a:rPr lang="en-US" smtClean="0"/>
-              <a:t>19/01/15</a:t>
+              <a:t>20/01/15</a:t>
             </a:fld>
             <a:endParaRPr lang="en-US"/>
           </a:p>
@@ -3628,8 +3628,8 @@
         </p:nvSpPr>
         <p:spPr>
           <a:xfrm>
-            <a:off x="2682483" y="3883666"/>
-            <a:ext cx="3869754" cy="523220"/>
+            <a:off x="2243388" y="3883666"/>
+            <a:ext cx="4732173" cy="523220"/>
           </a:xfrm>
           <a:prstGeom prst="rect">
             <a:avLst/>
@@ -3664,8 +3664,35 @@
                 <a:latin typeface="Palatino"/>
                 <a:cs typeface="Palatino"/>
               </a:rPr>
-              <a:t> protocol API </a:t>
-            </a:r>
+              <a:t> </a:t>
+            </a:r>
+            <a:r>
+              <a:rPr lang="en-US" sz="2800" b="1" dirty="0" err="1" smtClean="0">
+                <a:solidFill>
+                  <a:schemeClr val="bg1"/>
+                </a:solidFill>
+                <a:latin typeface="Palatino"/>
+                <a:cs typeface="Palatino"/>
+              </a:rPr>
+              <a:t>RESTful</a:t>
+            </a:r>
+            <a:r>
+              <a:rPr lang="en-US" sz="2800" b="1" dirty="0" smtClean="0">
+                <a:solidFill>
+                  <a:schemeClr val="bg1"/>
+                </a:solidFill>
+                <a:latin typeface="Palatino"/>
+                <a:cs typeface="Palatino"/>
+              </a:rPr>
+              <a:t> web API </a:t>
+            </a:r>
+            <a:endParaRPr lang="en-US" sz="2800" b="1" dirty="0" smtClean="0">
+              <a:solidFill>
+                <a:schemeClr val="bg1"/>
+              </a:solidFill>
+              <a:latin typeface="Palatino"/>
+              <a:cs typeface="Palatino"/>
+            </a:endParaRPr>
           </a:p>
         </p:txBody>
       </p:sp>

--- a/binom/nar_paper_2015/figures/nav_web_service.pptx
+++ b/binom/nar_paper_2015/figures/nav_web_service.pptx
@@ -3750,8 +3750,8 @@
         </p:nvSpPr>
         <p:spPr>
           <a:xfrm>
-            <a:off x="2984726" y="5231637"/>
-            <a:ext cx="1200624" cy="646331"/>
+            <a:off x="2779252" y="5231637"/>
+            <a:ext cx="1540788" cy="646331"/>
           </a:xfrm>
           <a:prstGeom prst="rect">
             <a:avLst/>
@@ -3790,8 +3790,26 @@
                 <a:latin typeface="Palatino"/>
                 <a:cs typeface="Palatino"/>
               </a:rPr>
-              <a:t>[ongoing]</a:t>
-            </a:r>
+              <a:t>[</a:t>
+            </a:r>
+            <a:r>
+              <a:rPr lang="en-US" b="1" dirty="0" smtClean="0">
+                <a:latin typeface="Palatino"/>
+                <a:cs typeface="Palatino"/>
+              </a:rPr>
+              <a:t>in progress</a:t>
+            </a:r>
+            <a:r>
+              <a:rPr lang="en-US" b="1" dirty="0" smtClean="0">
+                <a:latin typeface="Palatino"/>
+                <a:cs typeface="Palatino"/>
+              </a:rPr>
+              <a:t>]</a:t>
+            </a:r>
+            <a:endParaRPr lang="en-US" b="1" dirty="0" smtClean="0">
+              <a:latin typeface="Palatino"/>
+              <a:cs typeface="Palatino"/>
+            </a:endParaRPr>
           </a:p>
         </p:txBody>
       </p:sp>
@@ -3836,8 +3854,12 @@
                 <a:latin typeface="Palatino"/>
                 <a:cs typeface="Palatino"/>
               </a:rPr>
-              <a:t>[project]</a:t>
-            </a:r>
+              <a:t>[in progress]</a:t>
+            </a:r>
+            <a:endParaRPr lang="en-US" b="1" dirty="0" smtClean="0">
+              <a:latin typeface="Palatino"/>
+              <a:cs typeface="Palatino"/>
+            </a:endParaRPr>
           </a:p>
         </p:txBody>
       </p:sp>
@@ -4035,8 +4057,8 @@
         </p:nvCxnSpPr>
         <p:spPr>
           <a:xfrm flipH="1">
-            <a:off x="3585038" y="4509569"/>
-            <a:ext cx="1024439" cy="722068"/>
+            <a:off x="3549646" y="4509569"/>
+            <a:ext cx="1059831" cy="722068"/>
           </a:xfrm>
           <a:prstGeom prst="straightConnector1">
             <a:avLst/>
@@ -4346,8 +4368,8 @@
         </p:nvSpPr>
         <p:spPr>
           <a:xfrm>
-            <a:off x="4580276" y="5210841"/>
-            <a:ext cx="1200624" cy="646331"/>
+            <a:off x="4374802" y="5210841"/>
+            <a:ext cx="1567154" cy="646331"/>
           </a:xfrm>
           <a:prstGeom prst="rect">
             <a:avLst/>
@@ -4379,8 +4401,26 @@
                 <a:latin typeface="Palatino"/>
                 <a:cs typeface="Palatino"/>
               </a:rPr>
-              <a:t>[ongoing]</a:t>
-            </a:r>
+              <a:t>[</a:t>
+            </a:r>
+            <a:r>
+              <a:rPr lang="en-US" b="1" dirty="0" smtClean="0">
+                <a:latin typeface="Palatino"/>
+                <a:cs typeface="Palatino"/>
+              </a:rPr>
+              <a:t>in progress</a:t>
+            </a:r>
+            <a:r>
+              <a:rPr lang="en-US" b="1" dirty="0" smtClean="0">
+                <a:latin typeface="Palatino"/>
+                <a:cs typeface="Palatino"/>
+              </a:rPr>
+              <a:t>]</a:t>
+            </a:r>
+            <a:endParaRPr lang="en-US" b="1" dirty="0" smtClean="0">
+              <a:latin typeface="Palatino"/>
+              <a:cs typeface="Palatino"/>
+            </a:endParaRPr>
           </a:p>
         </p:txBody>
       </p:sp>
@@ -4469,7 +4509,7 @@
         <p:spPr>
           <a:xfrm>
             <a:off x="4609477" y="4509569"/>
-            <a:ext cx="571111" cy="701272"/>
+            <a:ext cx="548902" cy="701272"/>
           </a:xfrm>
           <a:prstGeom prst="straightConnector1">
             <a:avLst/>

--- a/binom/nar_paper_2015/figures/nav_web_service.pptx
+++ b/binom/nar_paper_2015/figures/nav_web_service.pptx
@@ -288,7 +288,7 @@
           <a:p>
             <a:fld id="{7B8A23D7-2D9A-F24C-A6E5-B4D2996E9A03}" type="datetimeFigureOut">
               <a:rPr lang="en-US" smtClean="0"/>
-              <a:t>20/01/15</a:t>
+              <a:t>03/02/15</a:t>
             </a:fld>
             <a:endParaRPr lang="en-US"/>
           </a:p>
@@ -458,7 +458,7 @@
           <a:p>
             <a:fld id="{7B8A23D7-2D9A-F24C-A6E5-B4D2996E9A03}" type="datetimeFigureOut">
               <a:rPr lang="en-US" smtClean="0"/>
-              <a:t>20/01/15</a:t>
+              <a:t>03/02/15</a:t>
             </a:fld>
             <a:endParaRPr lang="en-US"/>
           </a:p>
@@ -638,7 +638,7 @@
           <a:p>
             <a:fld id="{7B8A23D7-2D9A-F24C-A6E5-B4D2996E9A03}" type="datetimeFigureOut">
               <a:rPr lang="en-US" smtClean="0"/>
-              <a:t>20/01/15</a:t>
+              <a:t>03/02/15</a:t>
             </a:fld>
             <a:endParaRPr lang="en-US"/>
           </a:p>
@@ -808,7 +808,7 @@
           <a:p>
             <a:fld id="{7B8A23D7-2D9A-F24C-A6E5-B4D2996E9A03}" type="datetimeFigureOut">
               <a:rPr lang="en-US" smtClean="0"/>
-              <a:t>20/01/15</a:t>
+              <a:t>03/02/15</a:t>
             </a:fld>
             <a:endParaRPr lang="en-US"/>
           </a:p>
@@ -1054,7 +1054,7 @@
           <a:p>
             <a:fld id="{7B8A23D7-2D9A-F24C-A6E5-B4D2996E9A03}" type="datetimeFigureOut">
               <a:rPr lang="en-US" smtClean="0"/>
-              <a:t>20/01/15</a:t>
+              <a:t>03/02/15</a:t>
             </a:fld>
             <a:endParaRPr lang="en-US"/>
           </a:p>
@@ -1342,7 +1342,7 @@
           <a:p>
             <a:fld id="{7B8A23D7-2D9A-F24C-A6E5-B4D2996E9A03}" type="datetimeFigureOut">
               <a:rPr lang="en-US" smtClean="0"/>
-              <a:t>20/01/15</a:t>
+              <a:t>03/02/15</a:t>
             </a:fld>
             <a:endParaRPr lang="en-US"/>
           </a:p>
@@ -1764,7 +1764,7 @@
           <a:p>
             <a:fld id="{7B8A23D7-2D9A-F24C-A6E5-B4D2996E9A03}" type="datetimeFigureOut">
               <a:rPr lang="en-US" smtClean="0"/>
-              <a:t>20/01/15</a:t>
+              <a:t>03/02/15</a:t>
             </a:fld>
             <a:endParaRPr lang="en-US"/>
           </a:p>
@@ -1882,7 +1882,7 @@
           <a:p>
             <a:fld id="{7B8A23D7-2D9A-F24C-A6E5-B4D2996E9A03}" type="datetimeFigureOut">
               <a:rPr lang="en-US" smtClean="0"/>
-              <a:t>20/01/15</a:t>
+              <a:t>03/02/15</a:t>
             </a:fld>
             <a:endParaRPr lang="en-US"/>
           </a:p>
@@ -1977,7 +1977,7 @@
           <a:p>
             <a:fld id="{7B8A23D7-2D9A-F24C-A6E5-B4D2996E9A03}" type="datetimeFigureOut">
               <a:rPr lang="en-US" smtClean="0"/>
-              <a:t>20/01/15</a:t>
+              <a:t>03/02/15</a:t>
             </a:fld>
             <a:endParaRPr lang="en-US"/>
           </a:p>
@@ -2254,7 +2254,7 @@
           <a:p>
             <a:fld id="{7B8A23D7-2D9A-F24C-A6E5-B4D2996E9A03}" type="datetimeFigureOut">
               <a:rPr lang="en-US" smtClean="0"/>
-              <a:t>20/01/15</a:t>
+              <a:t>03/02/15</a:t>
             </a:fld>
             <a:endParaRPr lang="en-US"/>
           </a:p>
@@ -2507,7 +2507,7 @@
           <a:p>
             <a:fld id="{7B8A23D7-2D9A-F24C-A6E5-B4D2996E9A03}" type="datetimeFigureOut">
               <a:rPr lang="en-US" smtClean="0"/>
-              <a:t>20/01/15</a:t>
+              <a:t>03/02/15</a:t>
             </a:fld>
             <a:endParaRPr lang="en-US"/>
           </a:p>
@@ -2720,7 +2720,7 @@
           <a:p>
             <a:fld id="{7B8A23D7-2D9A-F24C-A6E5-B4D2996E9A03}" type="datetimeFigureOut">
               <a:rPr lang="en-US" smtClean="0"/>
-              <a:t>20/01/15</a:t>
+              <a:t>03/02/15</a:t>
             </a:fld>
             <a:endParaRPr lang="en-US"/>
           </a:p>
@@ -3385,7 +3385,7 @@
         </p:nvSpPr>
         <p:spPr>
           <a:xfrm>
-            <a:off x="1047131" y="2176715"/>
+            <a:off x="1047131" y="2046145"/>
             <a:ext cx="7124692" cy="968376"/>
           </a:xfrm>
           <a:prstGeom prst="roundRect">
@@ -3473,7 +3473,7 @@
         </p:nvSpPr>
         <p:spPr>
           <a:xfrm>
-            <a:off x="1799220" y="2152496"/>
+            <a:off x="1799220" y="2021926"/>
             <a:ext cx="5609313" cy="954107"/>
           </a:xfrm>
           <a:prstGeom prst="rect">
@@ -3686,13 +3686,6 @@
               </a:rPr>
               <a:t> web API </a:t>
             </a:r>
-            <a:endParaRPr lang="en-US" sz="2800" b="1" dirty="0" smtClean="0">
-              <a:solidFill>
-                <a:schemeClr val="bg1"/>
-              </a:solidFill>
-              <a:latin typeface="Palatino"/>
-              <a:cs typeface="Palatino"/>
-            </a:endParaRPr>
           </a:p>
         </p:txBody>
       </p:sp>
@@ -3704,8 +3697,8 @@
         </p:nvSpPr>
         <p:spPr>
           <a:xfrm>
-            <a:off x="1058208" y="5231637"/>
-            <a:ext cx="1476175" cy="646331"/>
+            <a:off x="1081948" y="5385947"/>
+            <a:ext cx="1476175" cy="369332"/>
           </a:xfrm>
           <a:prstGeom prst="rect">
             <a:avLst/>
@@ -3727,18 +3720,19 @@
                 <a:latin typeface="Palatino"/>
                 <a:cs typeface="Palatino"/>
               </a:rPr>
-              <a:t>Python API</a:t>
-            </a:r>
-          </a:p>
-          <a:p>
-            <a:pPr algn="ctr"/>
+              <a:t>Python </a:t>
+            </a:r>
             <a:r>
               <a:rPr lang="en-US" b="1" dirty="0" smtClean="0">
                 <a:latin typeface="Palatino"/>
                 <a:cs typeface="Palatino"/>
               </a:rPr>
-              <a:t>[ready]</a:t>
-            </a:r>
+              <a:t>API</a:t>
+            </a:r>
+            <a:endParaRPr lang="en-US" b="1" dirty="0" smtClean="0">
+              <a:latin typeface="Palatino"/>
+              <a:cs typeface="Palatino"/>
+            </a:endParaRPr>
           </a:p>
         </p:txBody>
       </p:sp>
@@ -3750,8 +3744,8 @@
         </p:nvSpPr>
         <p:spPr>
           <a:xfrm>
-            <a:off x="2779252" y="5231637"/>
-            <a:ext cx="1540788" cy="646331"/>
+            <a:off x="2779252" y="5397817"/>
+            <a:ext cx="1540788" cy="369332"/>
           </a:xfrm>
           <a:prstGeom prst="rect">
             <a:avLst/>
@@ -3780,31 +3774,14 @@
                 <a:latin typeface="Palatino"/>
                 <a:cs typeface="Palatino"/>
               </a:rPr>
-              <a:t> API</a:t>
-            </a:r>
-          </a:p>
-          <a:p>
-            <a:pPr algn="ctr"/>
+              <a:t> </a:t>
+            </a:r>
             <a:r>
               <a:rPr lang="en-US" b="1" dirty="0" smtClean="0">
                 <a:latin typeface="Palatino"/>
                 <a:cs typeface="Palatino"/>
               </a:rPr>
-              <a:t>[</a:t>
-            </a:r>
-            <a:r>
-              <a:rPr lang="en-US" b="1" dirty="0" smtClean="0">
-                <a:latin typeface="Palatino"/>
-                <a:cs typeface="Palatino"/>
-              </a:rPr>
-              <a:t>in progress</a:t>
-            </a:r>
-            <a:r>
-              <a:rPr lang="en-US" b="1" dirty="0" smtClean="0">
-                <a:latin typeface="Palatino"/>
-                <a:cs typeface="Palatino"/>
-              </a:rPr>
-              <a:t>]</a:t>
+              <a:t>API</a:t>
             </a:r>
             <a:endParaRPr lang="en-US" b="1" dirty="0" smtClean="0">
               <a:latin typeface="Palatino"/>
@@ -3821,8 +3798,8 @@
         </p:nvSpPr>
         <p:spPr>
           <a:xfrm>
-            <a:off x="6145607" y="5197011"/>
-            <a:ext cx="1938542" cy="646331"/>
+            <a:off x="6121867" y="5351321"/>
+            <a:ext cx="1938542" cy="369332"/>
           </a:xfrm>
           <a:prstGeom prst="rect">
             <a:avLst/>
@@ -3844,17 +3821,14 @@
                 <a:latin typeface="Palatino"/>
                 <a:cs typeface="Palatino"/>
               </a:rPr>
-              <a:t>Garuda gadget</a:t>
-            </a:r>
-          </a:p>
-          <a:p>
-            <a:pPr algn="ctr"/>
+              <a:t>Garuda </a:t>
+            </a:r>
             <a:r>
               <a:rPr lang="en-US" b="1" dirty="0" smtClean="0">
                 <a:latin typeface="Palatino"/>
                 <a:cs typeface="Palatino"/>
               </a:rPr>
-              <a:t>[in progress]</a:t>
+              <a:t>gadget</a:t>
             </a:r>
             <a:endParaRPr lang="en-US" b="1" dirty="0" smtClean="0">
               <a:latin typeface="Palatino"/>
@@ -3947,7 +3921,7 @@
         <p:spPr>
           <a:xfrm>
             <a:off x="4609477" y="1437226"/>
-            <a:ext cx="0" cy="739489"/>
+            <a:ext cx="0" cy="608919"/>
           </a:xfrm>
           <a:prstGeom prst="straightConnector1">
             <a:avLst/>
@@ -3983,8 +3957,8 @@
         </p:nvCxnSpPr>
         <p:spPr>
           <a:xfrm>
-            <a:off x="4609477" y="3145091"/>
-            <a:ext cx="0" cy="682938"/>
+            <a:off x="4609477" y="3014521"/>
+            <a:ext cx="0" cy="813508"/>
           </a:xfrm>
           <a:prstGeom prst="straightConnector1">
             <a:avLst/>
@@ -4014,14 +3988,14 @@
           <p:cNvPr id="28" name="Straight Arrow Connector 27"/>
           <p:cNvCxnSpPr>
             <a:stCxn id="12" idx="2"/>
-            <a:endCxn id="13" idx="0"/>
+            <a:endCxn id="19" idx="0"/>
           </p:cNvCxnSpPr>
           <p:nvPr/>
         </p:nvCxnSpPr>
         <p:spPr>
           <a:xfrm flipH="1">
-            <a:off x="1796296" y="4509569"/>
-            <a:ext cx="2813181" cy="722068"/>
+            <a:off x="1820064" y="4509569"/>
+            <a:ext cx="2789413" cy="737558"/>
           </a:xfrm>
           <a:prstGeom prst="straightConnector1">
             <a:avLst/>
@@ -4051,14 +4025,14 @@
           <p:cNvPr id="31" name="Straight Arrow Connector 30"/>
           <p:cNvCxnSpPr>
             <a:stCxn id="12" idx="2"/>
-            <a:endCxn id="14" idx="0"/>
+            <a:endCxn id="21" idx="0"/>
           </p:cNvCxnSpPr>
           <p:nvPr/>
         </p:nvCxnSpPr>
         <p:spPr>
           <a:xfrm flipH="1">
-            <a:off x="3549646" y="4509569"/>
-            <a:ext cx="1059831" cy="722068"/>
+            <a:off x="3549651" y="4509569"/>
+            <a:ext cx="1059826" cy="746443"/>
           </a:xfrm>
           <a:prstGeom prst="straightConnector1">
             <a:avLst/>
@@ -4202,8 +4176,8 @@
         </p:nvSpPr>
         <p:spPr>
           <a:xfrm>
-            <a:off x="4717902" y="3266651"/>
-            <a:ext cx="3017222" cy="400110"/>
+            <a:off x="4717902" y="3124211"/>
+            <a:ext cx="3017222" cy="615553"/>
           </a:xfrm>
           <a:prstGeom prst="rect">
             <a:avLst/>
@@ -4221,9 +4195,25 @@
                 <a:latin typeface="Palatino"/>
                 <a:cs typeface="Palatino"/>
               </a:rPr>
-              <a:t>HTTP / HTTPS requests</a:t>
-            </a:r>
-            <a:endParaRPr lang="en-US" sz="2000" b="1" dirty="0">
+              <a:t>HTTP / HTTPS </a:t>
+            </a:r>
+            <a:r>
+              <a:rPr lang="en-US" sz="2000" b="1" dirty="0" smtClean="0">
+                <a:latin typeface="Palatino"/>
+                <a:cs typeface="Palatino"/>
+              </a:rPr>
+              <a:t>requests</a:t>
+            </a:r>
+          </a:p>
+          <a:p>
+            <a:r>
+              <a:rPr lang="en-US" sz="1400" dirty="0" smtClean="0">
+                <a:latin typeface="Palatino"/>
+                <a:cs typeface="Palatino"/>
+              </a:rPr>
+              <a:t>(Data exchange and visualization)</a:t>
+            </a:r>
+            <a:endParaRPr lang="en-US" sz="1400" dirty="0">
               <a:latin typeface="Palatino"/>
               <a:cs typeface="Palatino"/>
             </a:endParaRPr>
@@ -4238,7 +4228,7 @@
         </p:nvSpPr>
         <p:spPr>
           <a:xfrm>
-            <a:off x="4717902" y="1588473"/>
+            <a:off x="4717902" y="1517253"/>
             <a:ext cx="726055" cy="400110"/>
           </a:xfrm>
           <a:prstGeom prst="rect">
@@ -4368,8 +4358,8 @@
         </p:nvSpPr>
         <p:spPr>
           <a:xfrm>
-            <a:off x="4374802" y="5210841"/>
-            <a:ext cx="1567154" cy="646331"/>
+            <a:off x="4374802" y="5365151"/>
+            <a:ext cx="1567154" cy="369332"/>
           </a:xfrm>
           <a:prstGeom prst="rect">
             <a:avLst/>
@@ -4391,31 +4381,14 @@
                 <a:latin typeface="Palatino"/>
                 <a:cs typeface="Palatino"/>
               </a:rPr>
-              <a:t>Java API</a:t>
-            </a:r>
-          </a:p>
-          <a:p>
-            <a:pPr algn="ctr"/>
+              <a:t>Java </a:t>
+            </a:r>
             <a:r>
               <a:rPr lang="en-US" b="1" dirty="0" smtClean="0">
                 <a:latin typeface="Palatino"/>
                 <a:cs typeface="Palatino"/>
               </a:rPr>
-              <a:t>[</a:t>
-            </a:r>
-            <a:r>
-              <a:rPr lang="en-US" b="1" dirty="0" smtClean="0">
-                <a:latin typeface="Palatino"/>
-                <a:cs typeface="Palatino"/>
-              </a:rPr>
-              <a:t>in progress</a:t>
-            </a:r>
-            <a:r>
-              <a:rPr lang="en-US" b="1" dirty="0" smtClean="0">
-                <a:latin typeface="Palatino"/>
-                <a:cs typeface="Palatino"/>
-              </a:rPr>
-              <a:t>]</a:t>
+              <a:t>API</a:t>
             </a:r>
             <a:endParaRPr lang="en-US" b="1" dirty="0" smtClean="0">
               <a:latin typeface="Palatino"/>
@@ -4502,14 +4475,14 @@
           <p:cNvPr id="45" name="Straight Arrow Connector 44"/>
           <p:cNvCxnSpPr>
             <a:stCxn id="12" idx="2"/>
-            <a:endCxn id="42" idx="0"/>
+            <a:endCxn id="41" idx="0"/>
           </p:cNvCxnSpPr>
           <p:nvPr/>
         </p:nvCxnSpPr>
         <p:spPr>
           <a:xfrm>
             <a:off x="4609477" y="4509569"/>
-            <a:ext cx="548902" cy="701272"/>
+            <a:ext cx="564587" cy="727470"/>
           </a:xfrm>
           <a:prstGeom prst="straightConnector1">
             <a:avLst/>
@@ -4534,6 +4507,36 @@
           </a:fontRef>
         </p:style>
       </p:cxnSp>
+      <p:sp>
+        <p:nvSpPr>
+          <p:cNvPr id="8" name="TextBox 7"/>
+          <p:cNvSpPr txBox="1"/>
+          <p:nvPr/>
+        </p:nvSpPr>
+        <p:spPr>
+          <a:xfrm>
+            <a:off x="8356174" y="6470887"/>
+            <a:ext cx="686982" cy="276999"/>
+          </a:xfrm>
+          <a:prstGeom prst="rect">
+            <a:avLst/>
+          </a:prstGeom>
+          <a:noFill/>
+        </p:spPr>
+        <p:txBody>
+          <a:bodyPr wrap="none" rtlCol="0">
+            <a:spAutoFit/>
+          </a:bodyPr>
+          <a:lstStyle/>
+          <a:p>
+            <a:r>
+              <a:rPr lang="en-US" sz="1200" dirty="0" smtClean="0"/>
+              <a:t>Figure 1</a:t>
+            </a:r>
+            <a:endParaRPr lang="en-US" sz="1200" dirty="0"/>
+          </a:p>
+        </p:txBody>
+      </p:sp>
     </p:spTree>
     <p:extLst>
       <p:ext uri="{BB962C8B-B14F-4D97-AF65-F5344CB8AC3E}">
